--- a/Reports/Maintenance_Prediction.pptx
+++ b/Reports/Maintenance_Prediction.pptx
@@ -39,18 +39,11 @@
   <p:notesSz cx="6858000" cy="9144000"/>
   <p:embeddedFontLst>
     <p:embeddedFont>
-      <p:font typeface="Calibri" panose="020F0502020204030204" pitchFamily="34" charset="0"/>
+      <p:font typeface="Nunito" pitchFamily="2" charset="0"/>
       <p:regular r:id="rId29"/>
       <p:bold r:id="rId30"/>
       <p:italic r:id="rId31"/>
       <p:boldItalic r:id="rId32"/>
-    </p:embeddedFont>
-    <p:embeddedFont>
-      <p:font typeface="Nunito" panose="020B0604020202020204" charset="0"/>
-      <p:regular r:id="rId33"/>
-      <p:bold r:id="rId34"/>
-      <p:italic r:id="rId35"/>
-      <p:boldItalic r:id="rId36"/>
     </p:embeddedFont>
   </p:embeddedFontLst>
   <p:defaultTextStyle>
@@ -299,6 +292,35 @@
     </p:ext>
   </p:extLst>
 </p:presentation>
+</file>
+
+<file path=ppt/changesInfos/changesInfo1.xml><?xml version="1.0" encoding="utf-8"?>
+<pc:chgInfo xmlns:a="http://schemas.openxmlformats.org/drawingml/2006/main" xmlns:r="http://schemas.openxmlformats.org/officeDocument/2006/relationships" xmlns:ac="http://schemas.microsoft.com/office/drawing/2013/main/command" xmlns:pc="http://schemas.microsoft.com/office/powerpoint/2013/main/command">
+  <pc:docChgLst>
+    <pc:chgData name="Pranjal Patel" userId="619960d72b4f07dd" providerId="LiveId" clId="{543D5C2B-9E0D-4566-B8C6-F66E0721A2E7}"/>
+    <pc:docChg chg="modSld">
+      <pc:chgData name="Pranjal Patel" userId="619960d72b4f07dd" providerId="LiveId" clId="{543D5C2B-9E0D-4566-B8C6-F66E0721A2E7}" dt="2025-06-22T10:09:10.685" v="82" actId="20577"/>
+      <pc:docMkLst>
+        <pc:docMk/>
+      </pc:docMkLst>
+      <pc:sldChg chg="modSp mod">
+        <pc:chgData name="Pranjal Patel" userId="619960d72b4f07dd" providerId="LiveId" clId="{543D5C2B-9E0D-4566-B8C6-F66E0721A2E7}" dt="2025-06-22T10:09:10.685" v="82" actId="20577"/>
+        <pc:sldMkLst>
+          <pc:docMk/>
+          <pc:sldMk cId="0" sldId="256"/>
+        </pc:sldMkLst>
+        <pc:spChg chg="mod">
+          <ac:chgData name="Pranjal Patel" userId="619960d72b4f07dd" providerId="LiveId" clId="{543D5C2B-9E0D-4566-B8C6-F66E0721A2E7}" dt="2025-06-22T10:09:10.685" v="82" actId="20577"/>
+          <ac:spMkLst>
+            <pc:docMk/>
+            <pc:sldMk cId="0" sldId="256"/>
+            <ac:spMk id="129" creationId="{00000000-0000-0000-0000-000000000000}"/>
+          </ac:spMkLst>
+        </pc:spChg>
+      </pc:sldChg>
+    </pc:docChg>
+  </pc:docChgLst>
+</pc:chgInfo>
 </file>
 
 <file path=ppt/notesMasters/notesMaster1.xml><?xml version="1.0" encoding="utf-8"?>
@@ -9592,32 +9614,13 @@
               </a:spcAft>
               <a:buNone/>
             </a:pPr>
-            <a:r>
-              <a:rPr lang="en" sz="1900" b="1" dirty="0"/>
-              <a:t>Vigneshwar-40016940</a:t>
-            </a:r>
-            <a:endParaRPr sz="1900" b="1" dirty="0"/>
-          </a:p>
-          <a:p>
-            <a:pPr marL="0" lvl="0" indent="0" algn="r" rtl="0">
-              <a:spcBef>
-                <a:spcPts val="0"/>
-              </a:spcBef>
-              <a:spcAft>
-                <a:spcPts val="0"/>
-              </a:spcAft>
-              <a:buNone/>
-            </a:pPr>
-            <a:r>
-              <a:rPr lang="en" sz="1900" b="1" dirty="0"/>
-              <a:t>Rohit Kumar-40016951</a:t>
-            </a:r>
+            <a:endParaRPr lang="en" sz="1900" b="1" dirty="0"/>
           </a:p>
           <a:p>
             <a:pPr marL="0" indent="0" algn="r"/>
             <a:r>
               <a:rPr lang="en-IN" sz="1900" b="1" dirty="0"/>
-              <a:t>Vikram Patel-40016950</a:t>
+              <a:t>Pranjal Patel B21BB024</a:t>
             </a:r>
           </a:p>
           <a:p>
